--- a/src/lectures/document-object-model/document-object-model.pptx
+++ b/src/lectures/document-object-model/document-object-model.pptx
@@ -212,7 +212,7 @@
           <a:p>
             <a:fld id="{EBEE5AE1-1D5F-483D-90B5-92A2A708F59B}" type="datetimeFigureOut">
               <a:rPr lang="en-US" smtClean="0"/>
-              <a:t>2019-01-01</a:t>
+              <a:t>1/5/2022</a:t>
             </a:fld>
             <a:endParaRPr lang="en-US" dirty="0"/>
           </a:p>
@@ -521,7 +521,7 @@
           <a:p>
             <a:fld id="{428859CC-B640-4DB3-BB6F-301CDED75AAD}" type="datetimeFigureOut">
               <a:rPr lang="sv-SE" smtClean="0"/>
-              <a:t>2019-01-01</a:t>
+              <a:t>2022-01-05</a:t>
             </a:fld>
             <a:endParaRPr lang="sv-SE"/>
           </a:p>
@@ -871,7 +871,7 @@
           <a:p>
             <a:fld id="{428859CC-B640-4DB3-BB6F-301CDED75AAD}" type="datetimeFigureOut">
               <a:rPr lang="sv-SE" smtClean="0"/>
-              <a:t>2019-01-01</a:t>
+              <a:t>2022-01-05</a:t>
             </a:fld>
             <a:endParaRPr lang="sv-SE"/>
           </a:p>
@@ -1121,7 +1121,7 @@
           <a:p>
             <a:fld id="{428859CC-B640-4DB3-BB6F-301CDED75AAD}" type="datetimeFigureOut">
               <a:rPr lang="sv-SE" smtClean="0"/>
-              <a:t>2019-01-01</a:t>
+              <a:t>2022-01-05</a:t>
             </a:fld>
             <a:endParaRPr lang="sv-SE"/>
           </a:p>
@@ -1480,7 +1480,7 @@
           <a:p>
             <a:fld id="{428859CC-B640-4DB3-BB6F-301CDED75AAD}" type="datetimeFigureOut">
               <a:rPr lang="sv-SE" smtClean="0"/>
-              <a:t>2019-01-01</a:t>
+              <a:t>2022-01-05</a:t>
             </a:fld>
             <a:endParaRPr lang="sv-SE"/>
           </a:p>
@@ -1831,7 +1831,7 @@
           <a:p>
             <a:fld id="{428859CC-B640-4DB3-BB6F-301CDED75AAD}" type="datetimeFigureOut">
               <a:rPr lang="sv-SE" smtClean="0"/>
-              <a:t>2019-01-01</a:t>
+              <a:t>2022-01-05</a:t>
             </a:fld>
             <a:endParaRPr lang="sv-SE"/>
           </a:p>
@@ -2263,7 +2263,7 @@
           <a:p>
             <a:fld id="{428859CC-B640-4DB3-BB6F-301CDED75AAD}" type="datetimeFigureOut">
               <a:rPr lang="sv-SE" smtClean="0"/>
-              <a:t>2019-01-01</a:t>
+              <a:t>2022-01-05</a:t>
             </a:fld>
             <a:endParaRPr lang="sv-SE"/>
           </a:p>
@@ -2687,7 +2687,7 @@
           <a:p>
             <a:fld id="{428859CC-B640-4DB3-BB6F-301CDED75AAD}" type="datetimeFigureOut">
               <a:rPr lang="sv-SE" smtClean="0"/>
-              <a:t>2019-01-01</a:t>
+              <a:t>2022-01-05</a:t>
             </a:fld>
             <a:endParaRPr lang="sv-SE"/>
           </a:p>
@@ -3119,7 +3119,7 @@
           <a:p>
             <a:fld id="{428859CC-B640-4DB3-BB6F-301CDED75AAD}" type="datetimeFigureOut">
               <a:rPr lang="sv-SE" smtClean="0"/>
-              <a:t>2019-01-01</a:t>
+              <a:t>2022-01-05</a:t>
             </a:fld>
             <a:endParaRPr lang="sv-SE"/>
           </a:p>
@@ -3448,7 +3448,7 @@
           <a:p>
             <a:fld id="{428859CC-B640-4DB3-BB6F-301CDED75AAD}" type="datetimeFigureOut">
               <a:rPr lang="sv-SE" smtClean="0"/>
-              <a:t>2019-01-01</a:t>
+              <a:t>2022-01-05</a:t>
             </a:fld>
             <a:endParaRPr lang="sv-SE"/>
           </a:p>
@@ -3648,7 +3648,7 @@
           <a:p>
             <a:fld id="{428859CC-B640-4DB3-BB6F-301CDED75AAD}" type="datetimeFigureOut">
               <a:rPr lang="sv-SE" smtClean="0"/>
-              <a:t>2019-01-01</a:t>
+              <a:t>2022-01-05</a:t>
             </a:fld>
             <a:endParaRPr lang="sv-SE"/>
           </a:p>
@@ -3809,7 +3809,7 @@
           <a:p>
             <a:fld id="{428859CC-B640-4DB3-BB6F-301CDED75AAD}" type="datetimeFigureOut">
               <a:rPr lang="sv-SE" smtClean="0"/>
-              <a:t>2019-01-01</a:t>
+              <a:t>2022-01-05</a:t>
             </a:fld>
             <a:endParaRPr lang="sv-SE"/>
           </a:p>
@@ -4080,7 +4080,7 @@
           <a:p>
             <a:fld id="{428859CC-B640-4DB3-BB6F-301CDED75AAD}" type="datetimeFigureOut">
               <a:rPr lang="sv-SE" smtClean="0"/>
-              <a:t>2019-01-01</a:t>
+              <a:t>2022-01-05</a:t>
             </a:fld>
             <a:endParaRPr lang="sv-SE"/>
           </a:p>
@@ -4285,7 +4285,7 @@
           <a:p>
             <a:fld id="{428859CC-B640-4DB3-BB6F-301CDED75AAD}" type="datetimeFigureOut">
               <a:rPr lang="sv-SE" smtClean="0"/>
-              <a:t>2019-01-01</a:t>
+              <a:t>2022-01-05</a:t>
             </a:fld>
             <a:endParaRPr lang="sv-SE"/>
           </a:p>
@@ -4507,7 +4507,7 @@
           <a:p>
             <a:fld id="{428859CC-B640-4DB3-BB6F-301CDED75AAD}" type="datetimeFigureOut">
               <a:rPr lang="sv-SE" smtClean="0"/>
-              <a:t>2019-01-01</a:t>
+              <a:t>2022-01-05</a:t>
             </a:fld>
             <a:endParaRPr lang="sv-SE"/>
           </a:p>
@@ -4741,7 +4741,7 @@
           <a:p>
             <a:fld id="{428859CC-B640-4DB3-BB6F-301CDED75AAD}" type="datetimeFigureOut">
               <a:rPr lang="sv-SE" smtClean="0"/>
-              <a:t>2019-01-01</a:t>
+              <a:t>2022-01-05</a:t>
             </a:fld>
             <a:endParaRPr lang="sv-SE"/>
           </a:p>
@@ -4963,7 +4963,7 @@
           <a:p>
             <a:fld id="{428859CC-B640-4DB3-BB6F-301CDED75AAD}" type="datetimeFigureOut">
               <a:rPr lang="sv-SE" smtClean="0"/>
-              <a:t>2019-01-01</a:t>
+              <a:t>2022-01-05</a:t>
             </a:fld>
             <a:endParaRPr lang="sv-SE"/>
           </a:p>
@@ -5197,7 +5197,7 @@
           <a:p>
             <a:fld id="{428859CC-B640-4DB3-BB6F-301CDED75AAD}" type="datetimeFigureOut">
               <a:rPr lang="sv-SE" smtClean="0"/>
-              <a:t>2019-01-01</a:t>
+              <a:t>2022-01-05</a:t>
             </a:fld>
             <a:endParaRPr lang="sv-SE"/>
           </a:p>
@@ -5611,7 +5611,7 @@
           <a:p>
             <a:fld id="{428859CC-B640-4DB3-BB6F-301CDED75AAD}" type="datetimeFigureOut">
               <a:rPr lang="sv-SE" smtClean="0"/>
-              <a:t>2019-01-01</a:t>
+              <a:t>2022-01-05</a:t>
             </a:fld>
             <a:endParaRPr lang="sv-SE"/>
           </a:p>
@@ -6023,7 +6023,7 @@
           <a:p>
             <a:fld id="{428859CC-B640-4DB3-BB6F-301CDED75AAD}" type="datetimeFigureOut">
               <a:rPr lang="sv-SE" smtClean="0"/>
-              <a:t>2019-01-01</a:t>
+              <a:t>2022-01-05</a:t>
             </a:fld>
             <a:endParaRPr lang="sv-SE"/>
           </a:p>
@@ -6340,7 +6340,7 @@
           <a:p>
             <a:fld id="{428859CC-B640-4DB3-BB6F-301CDED75AAD}" type="datetimeFigureOut">
               <a:rPr lang="sv-SE" smtClean="0"/>
-              <a:t>2019-01-01</a:t>
+              <a:t>2022-01-05</a:t>
             </a:fld>
             <a:endParaRPr lang="sv-SE"/>
           </a:p>
@@ -6655,7 +6655,7 @@
           <a:p>
             <a:fld id="{428859CC-B640-4DB3-BB6F-301CDED75AAD}" type="datetimeFigureOut">
               <a:rPr lang="sv-SE" smtClean="0"/>
-              <a:t>2019-01-01</a:t>
+              <a:t>2022-01-05</a:t>
             </a:fld>
             <a:endParaRPr lang="sv-SE"/>
           </a:p>
@@ -6943,7 +6943,7 @@
           <a:p>
             <a:fld id="{428859CC-B640-4DB3-BB6F-301CDED75AAD}" type="datetimeFigureOut">
               <a:rPr lang="sv-SE" smtClean="0"/>
-              <a:t>2019-01-01</a:t>
+              <a:t>2022-01-05</a:t>
             </a:fld>
             <a:endParaRPr lang="sv-SE"/>
           </a:p>
@@ -7300,7 +7300,7 @@
           <a:p>
             <a:fld id="{428859CC-B640-4DB3-BB6F-301CDED75AAD}" type="datetimeFigureOut">
               <a:rPr lang="sv-SE" smtClean="0"/>
-              <a:t>2019-01-01</a:t>
+              <a:t>2022-01-05</a:t>
             </a:fld>
             <a:endParaRPr lang="sv-SE"/>
           </a:p>
@@ -7582,7 +7582,7 @@
           <a:p>
             <a:fld id="{428859CC-B640-4DB3-BB6F-301CDED75AAD}" type="datetimeFigureOut">
               <a:rPr lang="sv-SE" smtClean="0"/>
-              <a:t>2019-01-01</a:t>
+              <a:t>2022-01-05</a:t>
             </a:fld>
             <a:endParaRPr lang="sv-SE"/>
           </a:p>
@@ -8493,7 +8493,15 @@
             <a:pPr algn="ctr"/>
             <a:r>
               <a:rPr lang="en-US" dirty="0"/>
-              <a:t>Executed before the browser have read the code in </a:t>
+              <a:t>Executed before the </a:t>
+            </a:r>
+            <a:r>
+              <a:rPr lang="en-US"/>
+              <a:t>browser has </a:t>
+            </a:r>
+            <a:r>
+              <a:rPr lang="en-US" dirty="0"/>
+              <a:t>read the code in </a:t>
             </a:r>
             <a:r>
               <a:rPr lang="en-US" dirty="0">
